--- a/ppt 16-9/0836.主旨奇妙难测.pptx
+++ b/ppt 16-9/0836.主旨奇妙难测.pptx
@@ -129,7 +129,7 @@
           <p:cNvPr id="2" name="标题 1">
             <a:extLst>
               <a:ext uri="{FF2B5EF4-FFF2-40B4-BE49-F238E27FC236}">
-                <a16:creationId xmlns:a16="http://schemas.microsoft.com/office/drawing/2014/main" id="{1C396E98-A28A-3ABD-6FB1-66B149D5A99A}"/>
+                <a16:creationId xmlns:a16="http://schemas.microsoft.com/office/drawing/2014/main" id="{A4520C1F-BA0A-5085-D8E6-C4F79F87C000}"/>
               </a:ext>
             </a:extLst>
           </p:cNvPr>
@@ -166,7 +166,7 @@
           <p:cNvPr id="3" name="副标题 2">
             <a:extLst>
               <a:ext uri="{FF2B5EF4-FFF2-40B4-BE49-F238E27FC236}">
-                <a16:creationId xmlns:a16="http://schemas.microsoft.com/office/drawing/2014/main" id="{1C590655-ED1F-E39E-4D3A-B919F8FADDC0}"/>
+                <a16:creationId xmlns:a16="http://schemas.microsoft.com/office/drawing/2014/main" id="{1630F6DD-6C3B-1162-D55D-37BF41251FB9}"/>
               </a:ext>
             </a:extLst>
           </p:cNvPr>
@@ -236,7 +236,7 @@
           <p:cNvPr id="4" name="日期占位符 3">
             <a:extLst>
               <a:ext uri="{FF2B5EF4-FFF2-40B4-BE49-F238E27FC236}">
-                <a16:creationId xmlns:a16="http://schemas.microsoft.com/office/drawing/2014/main" id="{7CCE3989-3BB9-7DE4-10C9-E49E0B122D98}"/>
+                <a16:creationId xmlns:a16="http://schemas.microsoft.com/office/drawing/2014/main" id="{BDB3F4DA-90D3-C5FC-770C-41EA7320AC51}"/>
               </a:ext>
             </a:extLst>
           </p:cNvPr>
@@ -252,7 +252,7 @@
           <a:bodyPr/>
           <a:lstStyle/>
           <a:p>
-            <a:fld id="{390D4EAE-CDAA-45A5-B903-B14E75BE7086}" type="datetimeFigureOut">
+            <a:fld id="{C05097C1-4A54-4518-9F39-E007E868DA4C}" type="datetimeFigureOut">
               <a:rPr lang="zh-CN" altLang="en-US" smtClean="0"/>
               <a:t>2024/3/10</a:t>
             </a:fld>
@@ -265,7 +265,7 @@
           <p:cNvPr id="5" name="页脚占位符 4">
             <a:extLst>
               <a:ext uri="{FF2B5EF4-FFF2-40B4-BE49-F238E27FC236}">
-                <a16:creationId xmlns:a16="http://schemas.microsoft.com/office/drawing/2014/main" id="{5DA4151F-47C1-D6B9-2E08-335E52337CB7}"/>
+                <a16:creationId xmlns:a16="http://schemas.microsoft.com/office/drawing/2014/main" id="{7EE77764-8C6F-2D82-DE6E-88F3CABC1C28}"/>
               </a:ext>
             </a:extLst>
           </p:cNvPr>
@@ -290,7 +290,7 @@
           <p:cNvPr id="6" name="灯片编号占位符 5">
             <a:extLst>
               <a:ext uri="{FF2B5EF4-FFF2-40B4-BE49-F238E27FC236}">
-                <a16:creationId xmlns:a16="http://schemas.microsoft.com/office/drawing/2014/main" id="{506E088F-3876-FA80-992E-01B9B01D0585}"/>
+                <a16:creationId xmlns:a16="http://schemas.microsoft.com/office/drawing/2014/main" id="{5F308BE6-F8D6-F12D-7AD6-9D12DDBFBFB3}"/>
               </a:ext>
             </a:extLst>
           </p:cNvPr>
@@ -306,7 +306,7 @@
           <a:bodyPr/>
           <a:lstStyle/>
           <a:p>
-            <a:fld id="{E9E6695B-4B49-44D1-A35C-B50FF7D6B050}" type="slidenum">
+            <a:fld id="{A2FE913E-86F8-4FFE-A932-3F33126BDB69}" type="slidenum">
               <a:rPr lang="zh-CN" altLang="en-US" smtClean="0"/>
               <a:t>‹#›</a:t>
             </a:fld>
@@ -317,7 +317,7 @@
     </p:spTree>
     <p:extLst>
       <p:ext uri="{BB962C8B-B14F-4D97-AF65-F5344CB8AC3E}">
-        <p14:creationId xmlns:p14="http://schemas.microsoft.com/office/powerpoint/2010/main" val="1837133646"/>
+        <p14:creationId xmlns:p14="http://schemas.microsoft.com/office/powerpoint/2010/main" val="181707220"/>
       </p:ext>
     </p:extLst>
   </p:cSld>
@@ -349,7 +349,7 @@
           <p:cNvPr id="2" name="标题 1">
             <a:extLst>
               <a:ext uri="{FF2B5EF4-FFF2-40B4-BE49-F238E27FC236}">
-                <a16:creationId xmlns:a16="http://schemas.microsoft.com/office/drawing/2014/main" id="{6DA5E48D-D30F-0D91-0BBE-799DED9F4711}"/>
+                <a16:creationId xmlns:a16="http://schemas.microsoft.com/office/drawing/2014/main" id="{E3A280D0-983B-BEE7-4489-67678E3C749F}"/>
               </a:ext>
             </a:extLst>
           </p:cNvPr>
@@ -377,7 +377,7 @@
           <p:cNvPr id="3" name="竖排文字占位符 2">
             <a:extLst>
               <a:ext uri="{FF2B5EF4-FFF2-40B4-BE49-F238E27FC236}">
-                <a16:creationId xmlns:a16="http://schemas.microsoft.com/office/drawing/2014/main" id="{FB5D3C82-5FE7-9DC3-9E7F-4F2D62C1EAFB}"/>
+                <a16:creationId xmlns:a16="http://schemas.microsoft.com/office/drawing/2014/main" id="{BC1FE49C-C500-23C9-C87D-D6C4AAF58EB6}"/>
               </a:ext>
             </a:extLst>
           </p:cNvPr>
@@ -434,7 +434,7 @@
           <p:cNvPr id="4" name="日期占位符 3">
             <a:extLst>
               <a:ext uri="{FF2B5EF4-FFF2-40B4-BE49-F238E27FC236}">
-                <a16:creationId xmlns:a16="http://schemas.microsoft.com/office/drawing/2014/main" id="{FFAAE8AC-3D27-12ED-3B14-8730CE9A10FC}"/>
+                <a16:creationId xmlns:a16="http://schemas.microsoft.com/office/drawing/2014/main" id="{D1254C0B-5967-45A2-411D-ED9439051136}"/>
               </a:ext>
             </a:extLst>
           </p:cNvPr>
@@ -450,7 +450,7 @@
           <a:bodyPr/>
           <a:lstStyle/>
           <a:p>
-            <a:fld id="{390D4EAE-CDAA-45A5-B903-B14E75BE7086}" type="datetimeFigureOut">
+            <a:fld id="{C05097C1-4A54-4518-9F39-E007E868DA4C}" type="datetimeFigureOut">
               <a:rPr lang="zh-CN" altLang="en-US" smtClean="0"/>
               <a:t>2024/3/10</a:t>
             </a:fld>
@@ -463,7 +463,7 @@
           <p:cNvPr id="5" name="页脚占位符 4">
             <a:extLst>
               <a:ext uri="{FF2B5EF4-FFF2-40B4-BE49-F238E27FC236}">
-                <a16:creationId xmlns:a16="http://schemas.microsoft.com/office/drawing/2014/main" id="{1E9B5C79-E351-B037-46F2-B5152C836019}"/>
+                <a16:creationId xmlns:a16="http://schemas.microsoft.com/office/drawing/2014/main" id="{141E78A3-8FD9-66FE-3189-6F5A0B98A887}"/>
               </a:ext>
             </a:extLst>
           </p:cNvPr>
@@ -488,7 +488,7 @@
           <p:cNvPr id="6" name="灯片编号占位符 5">
             <a:extLst>
               <a:ext uri="{FF2B5EF4-FFF2-40B4-BE49-F238E27FC236}">
-                <a16:creationId xmlns:a16="http://schemas.microsoft.com/office/drawing/2014/main" id="{5BC6C09D-DEBD-5DBB-4C60-82B88225CC9A}"/>
+                <a16:creationId xmlns:a16="http://schemas.microsoft.com/office/drawing/2014/main" id="{2C98DE48-EC17-E448-6606-954091EB2833}"/>
               </a:ext>
             </a:extLst>
           </p:cNvPr>
@@ -504,7 +504,7 @@
           <a:bodyPr/>
           <a:lstStyle/>
           <a:p>
-            <a:fld id="{E9E6695B-4B49-44D1-A35C-B50FF7D6B050}" type="slidenum">
+            <a:fld id="{A2FE913E-86F8-4FFE-A932-3F33126BDB69}" type="slidenum">
               <a:rPr lang="zh-CN" altLang="en-US" smtClean="0"/>
               <a:t>‹#›</a:t>
             </a:fld>
@@ -515,7 +515,7 @@
     </p:spTree>
     <p:extLst>
       <p:ext uri="{BB962C8B-B14F-4D97-AF65-F5344CB8AC3E}">
-        <p14:creationId xmlns:p14="http://schemas.microsoft.com/office/powerpoint/2010/main" val="4265096521"/>
+        <p14:creationId xmlns:p14="http://schemas.microsoft.com/office/powerpoint/2010/main" val="2647518014"/>
       </p:ext>
     </p:extLst>
   </p:cSld>
@@ -547,7 +547,7 @@
           <p:cNvPr id="2" name="竖排标题 1">
             <a:extLst>
               <a:ext uri="{FF2B5EF4-FFF2-40B4-BE49-F238E27FC236}">
-                <a16:creationId xmlns:a16="http://schemas.microsoft.com/office/drawing/2014/main" id="{B507D494-FA01-C7AB-57B4-219486E1CB6E}"/>
+                <a16:creationId xmlns:a16="http://schemas.microsoft.com/office/drawing/2014/main" id="{65822D63-3871-69DC-ACAB-FA7942D87658}"/>
               </a:ext>
             </a:extLst>
           </p:cNvPr>
@@ -580,7 +580,7 @@
           <p:cNvPr id="3" name="竖排文字占位符 2">
             <a:extLst>
               <a:ext uri="{FF2B5EF4-FFF2-40B4-BE49-F238E27FC236}">
-                <a16:creationId xmlns:a16="http://schemas.microsoft.com/office/drawing/2014/main" id="{78137FDE-D423-D747-5C06-D16B6581319D}"/>
+                <a16:creationId xmlns:a16="http://schemas.microsoft.com/office/drawing/2014/main" id="{E69311C8-70C7-E641-2E27-7A38125A05F4}"/>
               </a:ext>
             </a:extLst>
           </p:cNvPr>
@@ -642,7 +642,7 @@
           <p:cNvPr id="4" name="日期占位符 3">
             <a:extLst>
               <a:ext uri="{FF2B5EF4-FFF2-40B4-BE49-F238E27FC236}">
-                <a16:creationId xmlns:a16="http://schemas.microsoft.com/office/drawing/2014/main" id="{78D6370E-246A-2738-B466-ADAEB2420A2E}"/>
+                <a16:creationId xmlns:a16="http://schemas.microsoft.com/office/drawing/2014/main" id="{EC2C839E-8E39-F5A7-AE3C-CF21E89F9EA7}"/>
               </a:ext>
             </a:extLst>
           </p:cNvPr>
@@ -658,7 +658,7 @@
           <a:bodyPr/>
           <a:lstStyle/>
           <a:p>
-            <a:fld id="{390D4EAE-CDAA-45A5-B903-B14E75BE7086}" type="datetimeFigureOut">
+            <a:fld id="{C05097C1-4A54-4518-9F39-E007E868DA4C}" type="datetimeFigureOut">
               <a:rPr lang="zh-CN" altLang="en-US" smtClean="0"/>
               <a:t>2024/3/10</a:t>
             </a:fld>
@@ -671,7 +671,7 @@
           <p:cNvPr id="5" name="页脚占位符 4">
             <a:extLst>
               <a:ext uri="{FF2B5EF4-FFF2-40B4-BE49-F238E27FC236}">
-                <a16:creationId xmlns:a16="http://schemas.microsoft.com/office/drawing/2014/main" id="{D600C175-D674-EA40-8EC2-0C05BE852A4E}"/>
+                <a16:creationId xmlns:a16="http://schemas.microsoft.com/office/drawing/2014/main" id="{3A7DC076-0111-FD6F-65D6-0AB3D1718526}"/>
               </a:ext>
             </a:extLst>
           </p:cNvPr>
@@ -696,7 +696,7 @@
           <p:cNvPr id="6" name="灯片编号占位符 5">
             <a:extLst>
               <a:ext uri="{FF2B5EF4-FFF2-40B4-BE49-F238E27FC236}">
-                <a16:creationId xmlns:a16="http://schemas.microsoft.com/office/drawing/2014/main" id="{3A4DFFBD-35A3-2493-C417-4816AD7CB37D}"/>
+                <a16:creationId xmlns:a16="http://schemas.microsoft.com/office/drawing/2014/main" id="{D8FA6630-6660-DC86-7FF3-2871E40BADAE}"/>
               </a:ext>
             </a:extLst>
           </p:cNvPr>
@@ -712,7 +712,7 @@
           <a:bodyPr/>
           <a:lstStyle/>
           <a:p>
-            <a:fld id="{E9E6695B-4B49-44D1-A35C-B50FF7D6B050}" type="slidenum">
+            <a:fld id="{A2FE913E-86F8-4FFE-A932-3F33126BDB69}" type="slidenum">
               <a:rPr lang="zh-CN" altLang="en-US" smtClean="0"/>
               <a:t>‹#›</a:t>
             </a:fld>
@@ -723,7 +723,7 @@
     </p:spTree>
     <p:extLst>
       <p:ext uri="{BB962C8B-B14F-4D97-AF65-F5344CB8AC3E}">
-        <p14:creationId xmlns:p14="http://schemas.microsoft.com/office/powerpoint/2010/main" val="1071107150"/>
+        <p14:creationId xmlns:p14="http://schemas.microsoft.com/office/powerpoint/2010/main" val="2198078759"/>
       </p:ext>
     </p:extLst>
   </p:cSld>
@@ -755,7 +755,7 @@
           <p:cNvPr id="2" name="标题 1">
             <a:extLst>
               <a:ext uri="{FF2B5EF4-FFF2-40B4-BE49-F238E27FC236}">
-                <a16:creationId xmlns:a16="http://schemas.microsoft.com/office/drawing/2014/main" id="{F718EA73-8A59-694B-A02C-B329125DC37B}"/>
+                <a16:creationId xmlns:a16="http://schemas.microsoft.com/office/drawing/2014/main" id="{8231711E-ECF6-D714-F4E9-8B6C3E07157E}"/>
               </a:ext>
             </a:extLst>
           </p:cNvPr>
@@ -783,7 +783,7 @@
           <p:cNvPr id="3" name="内容占位符 2">
             <a:extLst>
               <a:ext uri="{FF2B5EF4-FFF2-40B4-BE49-F238E27FC236}">
-                <a16:creationId xmlns:a16="http://schemas.microsoft.com/office/drawing/2014/main" id="{A1BDFD7D-3B79-58AC-5730-DE1804300D00}"/>
+                <a16:creationId xmlns:a16="http://schemas.microsoft.com/office/drawing/2014/main" id="{A71D8544-0C97-6F78-117F-A7C17DEFFEF0}"/>
               </a:ext>
             </a:extLst>
           </p:cNvPr>
@@ -840,7 +840,7 @@
           <p:cNvPr id="4" name="日期占位符 3">
             <a:extLst>
               <a:ext uri="{FF2B5EF4-FFF2-40B4-BE49-F238E27FC236}">
-                <a16:creationId xmlns:a16="http://schemas.microsoft.com/office/drawing/2014/main" id="{CF763D89-C4B0-081A-09A0-1E7A20374FF6}"/>
+                <a16:creationId xmlns:a16="http://schemas.microsoft.com/office/drawing/2014/main" id="{332A2628-7D0F-2C45-79EF-64072CE558A4}"/>
               </a:ext>
             </a:extLst>
           </p:cNvPr>
@@ -856,7 +856,7 @@
           <a:bodyPr/>
           <a:lstStyle/>
           <a:p>
-            <a:fld id="{390D4EAE-CDAA-45A5-B903-B14E75BE7086}" type="datetimeFigureOut">
+            <a:fld id="{C05097C1-4A54-4518-9F39-E007E868DA4C}" type="datetimeFigureOut">
               <a:rPr lang="zh-CN" altLang="en-US" smtClean="0"/>
               <a:t>2024/3/10</a:t>
             </a:fld>
@@ -869,7 +869,7 @@
           <p:cNvPr id="5" name="页脚占位符 4">
             <a:extLst>
               <a:ext uri="{FF2B5EF4-FFF2-40B4-BE49-F238E27FC236}">
-                <a16:creationId xmlns:a16="http://schemas.microsoft.com/office/drawing/2014/main" id="{BF6EF6CD-47A1-AE69-BCB6-4151458D341C}"/>
+                <a16:creationId xmlns:a16="http://schemas.microsoft.com/office/drawing/2014/main" id="{9F8EB88B-3669-294B-5A5C-5D5F89537BA0}"/>
               </a:ext>
             </a:extLst>
           </p:cNvPr>
@@ -894,7 +894,7 @@
           <p:cNvPr id="6" name="灯片编号占位符 5">
             <a:extLst>
               <a:ext uri="{FF2B5EF4-FFF2-40B4-BE49-F238E27FC236}">
-                <a16:creationId xmlns:a16="http://schemas.microsoft.com/office/drawing/2014/main" id="{7AFB5450-F059-5123-25BD-BB8E22613090}"/>
+                <a16:creationId xmlns:a16="http://schemas.microsoft.com/office/drawing/2014/main" id="{0E567B68-6AA0-F942-3501-0BCCC544279D}"/>
               </a:ext>
             </a:extLst>
           </p:cNvPr>
@@ -910,7 +910,7 @@
           <a:bodyPr/>
           <a:lstStyle/>
           <a:p>
-            <a:fld id="{E9E6695B-4B49-44D1-A35C-B50FF7D6B050}" type="slidenum">
+            <a:fld id="{A2FE913E-86F8-4FFE-A932-3F33126BDB69}" type="slidenum">
               <a:rPr lang="zh-CN" altLang="en-US" smtClean="0"/>
               <a:t>‹#›</a:t>
             </a:fld>
@@ -921,7 +921,7 @@
     </p:spTree>
     <p:extLst>
       <p:ext uri="{BB962C8B-B14F-4D97-AF65-F5344CB8AC3E}">
-        <p14:creationId xmlns:p14="http://schemas.microsoft.com/office/powerpoint/2010/main" val="1636318934"/>
+        <p14:creationId xmlns:p14="http://schemas.microsoft.com/office/powerpoint/2010/main" val="2356969307"/>
       </p:ext>
     </p:extLst>
   </p:cSld>
@@ -953,7 +953,7 @@
           <p:cNvPr id="2" name="标题 1">
             <a:extLst>
               <a:ext uri="{FF2B5EF4-FFF2-40B4-BE49-F238E27FC236}">
-                <a16:creationId xmlns:a16="http://schemas.microsoft.com/office/drawing/2014/main" id="{B26E6FE9-D9A6-D0C0-8014-7B6A0EFFB922}"/>
+                <a16:creationId xmlns:a16="http://schemas.microsoft.com/office/drawing/2014/main" id="{81869D73-424E-C537-F532-7ECF5895E5EB}"/>
               </a:ext>
             </a:extLst>
           </p:cNvPr>
@@ -990,7 +990,7 @@
           <p:cNvPr id="3" name="文本占位符 2">
             <a:extLst>
               <a:ext uri="{FF2B5EF4-FFF2-40B4-BE49-F238E27FC236}">
-                <a16:creationId xmlns:a16="http://schemas.microsoft.com/office/drawing/2014/main" id="{03008E91-4C90-21CF-94BB-FAFA73BE504E}"/>
+                <a16:creationId xmlns:a16="http://schemas.microsoft.com/office/drawing/2014/main" id="{5964DE68-3D51-348B-5E1D-CFC1C009A3F9}"/>
               </a:ext>
             </a:extLst>
           </p:cNvPr>
@@ -1115,7 +1115,7 @@
           <p:cNvPr id="4" name="日期占位符 3">
             <a:extLst>
               <a:ext uri="{FF2B5EF4-FFF2-40B4-BE49-F238E27FC236}">
-                <a16:creationId xmlns:a16="http://schemas.microsoft.com/office/drawing/2014/main" id="{BF1C5030-7DCD-24C7-363F-02B5B1FA1A08}"/>
+                <a16:creationId xmlns:a16="http://schemas.microsoft.com/office/drawing/2014/main" id="{6FD134EB-10C8-1B4A-8698-2CB117C524B7}"/>
               </a:ext>
             </a:extLst>
           </p:cNvPr>
@@ -1131,7 +1131,7 @@
           <a:bodyPr/>
           <a:lstStyle/>
           <a:p>
-            <a:fld id="{390D4EAE-CDAA-45A5-B903-B14E75BE7086}" type="datetimeFigureOut">
+            <a:fld id="{C05097C1-4A54-4518-9F39-E007E868DA4C}" type="datetimeFigureOut">
               <a:rPr lang="zh-CN" altLang="en-US" smtClean="0"/>
               <a:t>2024/3/10</a:t>
             </a:fld>
@@ -1144,7 +1144,7 @@
           <p:cNvPr id="5" name="页脚占位符 4">
             <a:extLst>
               <a:ext uri="{FF2B5EF4-FFF2-40B4-BE49-F238E27FC236}">
-                <a16:creationId xmlns:a16="http://schemas.microsoft.com/office/drawing/2014/main" id="{6F372CCE-627A-49CF-E50A-E7AEAABB0BE3}"/>
+                <a16:creationId xmlns:a16="http://schemas.microsoft.com/office/drawing/2014/main" id="{72DF97D8-C073-C3B0-7B75-636E7CC1B27D}"/>
               </a:ext>
             </a:extLst>
           </p:cNvPr>
@@ -1169,7 +1169,7 @@
           <p:cNvPr id="6" name="灯片编号占位符 5">
             <a:extLst>
               <a:ext uri="{FF2B5EF4-FFF2-40B4-BE49-F238E27FC236}">
-                <a16:creationId xmlns:a16="http://schemas.microsoft.com/office/drawing/2014/main" id="{CA6F850A-F12F-5BA0-5977-B8F3B97FDE53}"/>
+                <a16:creationId xmlns:a16="http://schemas.microsoft.com/office/drawing/2014/main" id="{63289710-1B6B-71CD-84C0-7BDB4121071C}"/>
               </a:ext>
             </a:extLst>
           </p:cNvPr>
@@ -1185,7 +1185,7 @@
           <a:bodyPr/>
           <a:lstStyle/>
           <a:p>
-            <a:fld id="{E9E6695B-4B49-44D1-A35C-B50FF7D6B050}" type="slidenum">
+            <a:fld id="{A2FE913E-86F8-4FFE-A932-3F33126BDB69}" type="slidenum">
               <a:rPr lang="zh-CN" altLang="en-US" smtClean="0"/>
               <a:t>‹#›</a:t>
             </a:fld>
@@ -1196,7 +1196,7 @@
     </p:spTree>
     <p:extLst>
       <p:ext uri="{BB962C8B-B14F-4D97-AF65-F5344CB8AC3E}">
-        <p14:creationId xmlns:p14="http://schemas.microsoft.com/office/powerpoint/2010/main" val="2719681092"/>
+        <p14:creationId xmlns:p14="http://schemas.microsoft.com/office/powerpoint/2010/main" val="1828059437"/>
       </p:ext>
     </p:extLst>
   </p:cSld>
@@ -1228,7 +1228,7 @@
           <p:cNvPr id="2" name="标题 1">
             <a:extLst>
               <a:ext uri="{FF2B5EF4-FFF2-40B4-BE49-F238E27FC236}">
-                <a16:creationId xmlns:a16="http://schemas.microsoft.com/office/drawing/2014/main" id="{036B5E1D-DEB2-55B0-F71F-4813CE57F12F}"/>
+                <a16:creationId xmlns:a16="http://schemas.microsoft.com/office/drawing/2014/main" id="{2F2F6B3C-037F-8ACD-5637-DC04AC20442B}"/>
               </a:ext>
             </a:extLst>
           </p:cNvPr>
@@ -1256,7 +1256,7 @@
           <p:cNvPr id="3" name="内容占位符 2">
             <a:extLst>
               <a:ext uri="{FF2B5EF4-FFF2-40B4-BE49-F238E27FC236}">
-                <a16:creationId xmlns:a16="http://schemas.microsoft.com/office/drawing/2014/main" id="{1173241A-C06E-F1F0-CDBF-16D11F81D039}"/>
+                <a16:creationId xmlns:a16="http://schemas.microsoft.com/office/drawing/2014/main" id="{5289F3ED-28ED-427D-0A51-DDD0EFDF7742}"/>
               </a:ext>
             </a:extLst>
           </p:cNvPr>
@@ -1318,7 +1318,7 @@
           <p:cNvPr id="4" name="内容占位符 3">
             <a:extLst>
               <a:ext uri="{FF2B5EF4-FFF2-40B4-BE49-F238E27FC236}">
-                <a16:creationId xmlns:a16="http://schemas.microsoft.com/office/drawing/2014/main" id="{6170682E-99CD-24BA-27ED-670CB2034360}"/>
+                <a16:creationId xmlns:a16="http://schemas.microsoft.com/office/drawing/2014/main" id="{89391816-493D-F0E2-E10C-43C784E61D78}"/>
               </a:ext>
             </a:extLst>
           </p:cNvPr>
@@ -1380,7 +1380,7 @@
           <p:cNvPr id="5" name="日期占位符 4">
             <a:extLst>
               <a:ext uri="{FF2B5EF4-FFF2-40B4-BE49-F238E27FC236}">
-                <a16:creationId xmlns:a16="http://schemas.microsoft.com/office/drawing/2014/main" id="{02A6A2F7-82BA-F94F-69BA-DDE54903530F}"/>
+                <a16:creationId xmlns:a16="http://schemas.microsoft.com/office/drawing/2014/main" id="{5F81B46D-656E-5294-7E44-64A6835CD82A}"/>
               </a:ext>
             </a:extLst>
           </p:cNvPr>
@@ -1396,7 +1396,7 @@
           <a:bodyPr/>
           <a:lstStyle/>
           <a:p>
-            <a:fld id="{390D4EAE-CDAA-45A5-B903-B14E75BE7086}" type="datetimeFigureOut">
+            <a:fld id="{C05097C1-4A54-4518-9F39-E007E868DA4C}" type="datetimeFigureOut">
               <a:rPr lang="zh-CN" altLang="en-US" smtClean="0"/>
               <a:t>2024/3/10</a:t>
             </a:fld>
@@ -1409,7 +1409,7 @@
           <p:cNvPr id="6" name="页脚占位符 5">
             <a:extLst>
               <a:ext uri="{FF2B5EF4-FFF2-40B4-BE49-F238E27FC236}">
-                <a16:creationId xmlns:a16="http://schemas.microsoft.com/office/drawing/2014/main" id="{ACC2DBC9-33F0-E5EE-AF6E-763C68939D8F}"/>
+                <a16:creationId xmlns:a16="http://schemas.microsoft.com/office/drawing/2014/main" id="{1EBD5DE1-D624-5D90-BE88-0586A190E46A}"/>
               </a:ext>
             </a:extLst>
           </p:cNvPr>
@@ -1434,7 +1434,7 @@
           <p:cNvPr id="7" name="灯片编号占位符 6">
             <a:extLst>
               <a:ext uri="{FF2B5EF4-FFF2-40B4-BE49-F238E27FC236}">
-                <a16:creationId xmlns:a16="http://schemas.microsoft.com/office/drawing/2014/main" id="{76FD83E8-A396-F7E5-C1EA-27CD2A5DE9BF}"/>
+                <a16:creationId xmlns:a16="http://schemas.microsoft.com/office/drawing/2014/main" id="{B28680F7-589C-AAC7-D02C-FE93F4568CB2}"/>
               </a:ext>
             </a:extLst>
           </p:cNvPr>
@@ -1450,7 +1450,7 @@
           <a:bodyPr/>
           <a:lstStyle/>
           <a:p>
-            <a:fld id="{E9E6695B-4B49-44D1-A35C-B50FF7D6B050}" type="slidenum">
+            <a:fld id="{A2FE913E-86F8-4FFE-A932-3F33126BDB69}" type="slidenum">
               <a:rPr lang="zh-CN" altLang="en-US" smtClean="0"/>
               <a:t>‹#›</a:t>
             </a:fld>
@@ -1461,7 +1461,7 @@
     </p:spTree>
     <p:extLst>
       <p:ext uri="{BB962C8B-B14F-4D97-AF65-F5344CB8AC3E}">
-        <p14:creationId xmlns:p14="http://schemas.microsoft.com/office/powerpoint/2010/main" val="1489521978"/>
+        <p14:creationId xmlns:p14="http://schemas.microsoft.com/office/powerpoint/2010/main" val="2230152016"/>
       </p:ext>
     </p:extLst>
   </p:cSld>
@@ -1493,7 +1493,7 @@
           <p:cNvPr id="2" name="标题 1">
             <a:extLst>
               <a:ext uri="{FF2B5EF4-FFF2-40B4-BE49-F238E27FC236}">
-                <a16:creationId xmlns:a16="http://schemas.microsoft.com/office/drawing/2014/main" id="{3E074855-D40B-A3D9-1596-F391A405DDD5}"/>
+                <a16:creationId xmlns:a16="http://schemas.microsoft.com/office/drawing/2014/main" id="{1FC5CC86-3335-AFEA-6219-4974EC44B276}"/>
               </a:ext>
             </a:extLst>
           </p:cNvPr>
@@ -1526,7 +1526,7 @@
           <p:cNvPr id="3" name="文本占位符 2">
             <a:extLst>
               <a:ext uri="{FF2B5EF4-FFF2-40B4-BE49-F238E27FC236}">
-                <a16:creationId xmlns:a16="http://schemas.microsoft.com/office/drawing/2014/main" id="{5A82FB11-51FD-462D-73AF-B8D3449E8DA5}"/>
+                <a16:creationId xmlns:a16="http://schemas.microsoft.com/office/drawing/2014/main" id="{6BDEEF25-0033-3F36-B5EB-85782EC4D6BF}"/>
               </a:ext>
             </a:extLst>
           </p:cNvPr>
@@ -1597,7 +1597,7 @@
           <p:cNvPr id="4" name="内容占位符 3">
             <a:extLst>
               <a:ext uri="{FF2B5EF4-FFF2-40B4-BE49-F238E27FC236}">
-                <a16:creationId xmlns:a16="http://schemas.microsoft.com/office/drawing/2014/main" id="{BA74199B-8F72-6910-3479-F39B5F41A396}"/>
+                <a16:creationId xmlns:a16="http://schemas.microsoft.com/office/drawing/2014/main" id="{FBAC8907-4151-3021-622B-6877A6CB1A8D}"/>
               </a:ext>
             </a:extLst>
           </p:cNvPr>
@@ -1659,7 +1659,7 @@
           <p:cNvPr id="5" name="文本占位符 4">
             <a:extLst>
               <a:ext uri="{FF2B5EF4-FFF2-40B4-BE49-F238E27FC236}">
-                <a16:creationId xmlns:a16="http://schemas.microsoft.com/office/drawing/2014/main" id="{B01A073F-28C8-FCD2-02AC-6C90577D0354}"/>
+                <a16:creationId xmlns:a16="http://schemas.microsoft.com/office/drawing/2014/main" id="{D20B27AB-496F-1759-80D2-E5A666716964}"/>
               </a:ext>
             </a:extLst>
           </p:cNvPr>
@@ -1730,7 +1730,7 @@
           <p:cNvPr id="6" name="内容占位符 5">
             <a:extLst>
               <a:ext uri="{FF2B5EF4-FFF2-40B4-BE49-F238E27FC236}">
-                <a16:creationId xmlns:a16="http://schemas.microsoft.com/office/drawing/2014/main" id="{998518F5-741A-B3DB-D9F4-17C97BE9D7F6}"/>
+                <a16:creationId xmlns:a16="http://schemas.microsoft.com/office/drawing/2014/main" id="{02BB821A-CD19-8588-7320-FB6DB7805113}"/>
               </a:ext>
             </a:extLst>
           </p:cNvPr>
@@ -1792,7 +1792,7 @@
           <p:cNvPr id="7" name="日期占位符 6">
             <a:extLst>
               <a:ext uri="{FF2B5EF4-FFF2-40B4-BE49-F238E27FC236}">
-                <a16:creationId xmlns:a16="http://schemas.microsoft.com/office/drawing/2014/main" id="{784DFE08-8A0C-38EA-CAD4-19BFE3CCD627}"/>
+                <a16:creationId xmlns:a16="http://schemas.microsoft.com/office/drawing/2014/main" id="{B5EF645E-E003-EF6E-326A-C51586877399}"/>
               </a:ext>
             </a:extLst>
           </p:cNvPr>
@@ -1808,7 +1808,7 @@
           <a:bodyPr/>
           <a:lstStyle/>
           <a:p>
-            <a:fld id="{390D4EAE-CDAA-45A5-B903-B14E75BE7086}" type="datetimeFigureOut">
+            <a:fld id="{C05097C1-4A54-4518-9F39-E007E868DA4C}" type="datetimeFigureOut">
               <a:rPr lang="zh-CN" altLang="en-US" smtClean="0"/>
               <a:t>2024/3/10</a:t>
             </a:fld>
@@ -1821,7 +1821,7 @@
           <p:cNvPr id="8" name="页脚占位符 7">
             <a:extLst>
               <a:ext uri="{FF2B5EF4-FFF2-40B4-BE49-F238E27FC236}">
-                <a16:creationId xmlns:a16="http://schemas.microsoft.com/office/drawing/2014/main" id="{599A12EC-CC8F-D1C9-290E-B1D1EBBB3142}"/>
+                <a16:creationId xmlns:a16="http://schemas.microsoft.com/office/drawing/2014/main" id="{962F977D-48F3-382B-136F-67C8275E7FF8}"/>
               </a:ext>
             </a:extLst>
           </p:cNvPr>
@@ -1846,7 +1846,7 @@
           <p:cNvPr id="9" name="灯片编号占位符 8">
             <a:extLst>
               <a:ext uri="{FF2B5EF4-FFF2-40B4-BE49-F238E27FC236}">
-                <a16:creationId xmlns:a16="http://schemas.microsoft.com/office/drawing/2014/main" id="{A95EB722-B9F3-5F9C-BB8C-A3130F0E817C}"/>
+                <a16:creationId xmlns:a16="http://schemas.microsoft.com/office/drawing/2014/main" id="{BD1B5D1A-0290-DEBE-3A59-96BBC4BFAD9E}"/>
               </a:ext>
             </a:extLst>
           </p:cNvPr>
@@ -1862,7 +1862,7 @@
           <a:bodyPr/>
           <a:lstStyle/>
           <a:p>
-            <a:fld id="{E9E6695B-4B49-44D1-A35C-B50FF7D6B050}" type="slidenum">
+            <a:fld id="{A2FE913E-86F8-4FFE-A932-3F33126BDB69}" type="slidenum">
               <a:rPr lang="zh-CN" altLang="en-US" smtClean="0"/>
               <a:t>‹#›</a:t>
             </a:fld>
@@ -1873,7 +1873,7 @@
     </p:spTree>
     <p:extLst>
       <p:ext uri="{BB962C8B-B14F-4D97-AF65-F5344CB8AC3E}">
-        <p14:creationId xmlns:p14="http://schemas.microsoft.com/office/powerpoint/2010/main" val="3061940606"/>
+        <p14:creationId xmlns:p14="http://schemas.microsoft.com/office/powerpoint/2010/main" val="3534802183"/>
       </p:ext>
     </p:extLst>
   </p:cSld>
@@ -1905,7 +1905,7 @@
           <p:cNvPr id="2" name="标题 1">
             <a:extLst>
               <a:ext uri="{FF2B5EF4-FFF2-40B4-BE49-F238E27FC236}">
-                <a16:creationId xmlns:a16="http://schemas.microsoft.com/office/drawing/2014/main" id="{ECBC5D99-6C38-007B-C581-210F0871C718}"/>
+                <a16:creationId xmlns:a16="http://schemas.microsoft.com/office/drawing/2014/main" id="{46A4F028-5EC0-66D7-030F-E1A560D96220}"/>
               </a:ext>
             </a:extLst>
           </p:cNvPr>
@@ -1933,7 +1933,7 @@
           <p:cNvPr id="3" name="日期占位符 2">
             <a:extLst>
               <a:ext uri="{FF2B5EF4-FFF2-40B4-BE49-F238E27FC236}">
-                <a16:creationId xmlns:a16="http://schemas.microsoft.com/office/drawing/2014/main" id="{CF3180F7-8A44-A45B-7B06-81B972A6A856}"/>
+                <a16:creationId xmlns:a16="http://schemas.microsoft.com/office/drawing/2014/main" id="{702B264B-4CF6-B08A-63D5-06643BCA4C1D}"/>
               </a:ext>
             </a:extLst>
           </p:cNvPr>
@@ -1949,7 +1949,7 @@
           <a:bodyPr/>
           <a:lstStyle/>
           <a:p>
-            <a:fld id="{390D4EAE-CDAA-45A5-B903-B14E75BE7086}" type="datetimeFigureOut">
+            <a:fld id="{C05097C1-4A54-4518-9F39-E007E868DA4C}" type="datetimeFigureOut">
               <a:rPr lang="zh-CN" altLang="en-US" smtClean="0"/>
               <a:t>2024/3/10</a:t>
             </a:fld>
@@ -1962,7 +1962,7 @@
           <p:cNvPr id="4" name="页脚占位符 3">
             <a:extLst>
               <a:ext uri="{FF2B5EF4-FFF2-40B4-BE49-F238E27FC236}">
-                <a16:creationId xmlns:a16="http://schemas.microsoft.com/office/drawing/2014/main" id="{FE8446D7-CDE4-1E42-7273-A9D2C6A0AE45}"/>
+                <a16:creationId xmlns:a16="http://schemas.microsoft.com/office/drawing/2014/main" id="{08BF9D5A-D51E-139C-1D4E-4EA6864C1C40}"/>
               </a:ext>
             </a:extLst>
           </p:cNvPr>
@@ -1987,7 +1987,7 @@
           <p:cNvPr id="5" name="灯片编号占位符 4">
             <a:extLst>
               <a:ext uri="{FF2B5EF4-FFF2-40B4-BE49-F238E27FC236}">
-                <a16:creationId xmlns:a16="http://schemas.microsoft.com/office/drawing/2014/main" id="{AEE79616-33EF-A937-5F34-551EE7A24C8C}"/>
+                <a16:creationId xmlns:a16="http://schemas.microsoft.com/office/drawing/2014/main" id="{174D7EEE-22A3-A3EF-AAC6-26B1F1F688C0}"/>
               </a:ext>
             </a:extLst>
           </p:cNvPr>
@@ -2003,7 +2003,7 @@
           <a:bodyPr/>
           <a:lstStyle/>
           <a:p>
-            <a:fld id="{E9E6695B-4B49-44D1-A35C-B50FF7D6B050}" type="slidenum">
+            <a:fld id="{A2FE913E-86F8-4FFE-A932-3F33126BDB69}" type="slidenum">
               <a:rPr lang="zh-CN" altLang="en-US" smtClean="0"/>
               <a:t>‹#›</a:t>
             </a:fld>
@@ -2014,7 +2014,7 @@
     </p:spTree>
     <p:extLst>
       <p:ext uri="{BB962C8B-B14F-4D97-AF65-F5344CB8AC3E}">
-        <p14:creationId xmlns:p14="http://schemas.microsoft.com/office/powerpoint/2010/main" val="1518669571"/>
+        <p14:creationId xmlns:p14="http://schemas.microsoft.com/office/powerpoint/2010/main" val="3837905037"/>
       </p:ext>
     </p:extLst>
   </p:cSld>
@@ -2046,7 +2046,7 @@
           <p:cNvPr id="2" name="日期占位符 1">
             <a:extLst>
               <a:ext uri="{FF2B5EF4-FFF2-40B4-BE49-F238E27FC236}">
-                <a16:creationId xmlns:a16="http://schemas.microsoft.com/office/drawing/2014/main" id="{79C2EB97-22F3-78A6-9C80-FEC2C7BA1267}"/>
+                <a16:creationId xmlns:a16="http://schemas.microsoft.com/office/drawing/2014/main" id="{F48E3786-4691-6149-7BEC-D0D0A59F850C}"/>
               </a:ext>
             </a:extLst>
           </p:cNvPr>
@@ -2062,7 +2062,7 @@
           <a:bodyPr/>
           <a:lstStyle/>
           <a:p>
-            <a:fld id="{390D4EAE-CDAA-45A5-B903-B14E75BE7086}" type="datetimeFigureOut">
+            <a:fld id="{C05097C1-4A54-4518-9F39-E007E868DA4C}" type="datetimeFigureOut">
               <a:rPr lang="zh-CN" altLang="en-US" smtClean="0"/>
               <a:t>2024/3/10</a:t>
             </a:fld>
@@ -2075,7 +2075,7 @@
           <p:cNvPr id="3" name="页脚占位符 2">
             <a:extLst>
               <a:ext uri="{FF2B5EF4-FFF2-40B4-BE49-F238E27FC236}">
-                <a16:creationId xmlns:a16="http://schemas.microsoft.com/office/drawing/2014/main" id="{0B09A095-C4C7-2F7B-4CA4-15BFFD688E96}"/>
+                <a16:creationId xmlns:a16="http://schemas.microsoft.com/office/drawing/2014/main" id="{CC40E88F-68FE-A300-D689-63CA1DFCB1EC}"/>
               </a:ext>
             </a:extLst>
           </p:cNvPr>
@@ -2100,7 +2100,7 @@
           <p:cNvPr id="4" name="灯片编号占位符 3">
             <a:extLst>
               <a:ext uri="{FF2B5EF4-FFF2-40B4-BE49-F238E27FC236}">
-                <a16:creationId xmlns:a16="http://schemas.microsoft.com/office/drawing/2014/main" id="{8B0ACE9B-02D3-E9FA-3360-51A2D26EF03D}"/>
+                <a16:creationId xmlns:a16="http://schemas.microsoft.com/office/drawing/2014/main" id="{8BD74A23-8390-A4BF-21A5-B1329F4FF5AF}"/>
               </a:ext>
             </a:extLst>
           </p:cNvPr>
@@ -2116,7 +2116,7 @@
           <a:bodyPr/>
           <a:lstStyle/>
           <a:p>
-            <a:fld id="{E9E6695B-4B49-44D1-A35C-B50FF7D6B050}" type="slidenum">
+            <a:fld id="{A2FE913E-86F8-4FFE-A932-3F33126BDB69}" type="slidenum">
               <a:rPr lang="zh-CN" altLang="en-US" smtClean="0"/>
               <a:t>‹#›</a:t>
             </a:fld>
@@ -2127,7 +2127,7 @@
     </p:spTree>
     <p:extLst>
       <p:ext uri="{BB962C8B-B14F-4D97-AF65-F5344CB8AC3E}">
-        <p14:creationId xmlns:p14="http://schemas.microsoft.com/office/powerpoint/2010/main" val="2790217261"/>
+        <p14:creationId xmlns:p14="http://schemas.microsoft.com/office/powerpoint/2010/main" val="892557023"/>
       </p:ext>
     </p:extLst>
   </p:cSld>
@@ -2159,7 +2159,7 @@
           <p:cNvPr id="2" name="标题 1">
             <a:extLst>
               <a:ext uri="{FF2B5EF4-FFF2-40B4-BE49-F238E27FC236}">
-                <a16:creationId xmlns:a16="http://schemas.microsoft.com/office/drawing/2014/main" id="{B92E671F-547E-FE5D-463F-E493C1A124FB}"/>
+                <a16:creationId xmlns:a16="http://schemas.microsoft.com/office/drawing/2014/main" id="{DA99C732-C62F-BBBE-4A72-A431FD17B41D}"/>
               </a:ext>
             </a:extLst>
           </p:cNvPr>
@@ -2196,7 +2196,7 @@
           <p:cNvPr id="3" name="内容占位符 2">
             <a:extLst>
               <a:ext uri="{FF2B5EF4-FFF2-40B4-BE49-F238E27FC236}">
-                <a16:creationId xmlns:a16="http://schemas.microsoft.com/office/drawing/2014/main" id="{CE5FBEB9-3741-9B73-0D20-84518DAD4CA0}"/>
+                <a16:creationId xmlns:a16="http://schemas.microsoft.com/office/drawing/2014/main" id="{21C060FB-FC6C-D8DD-FBCE-806043F1F225}"/>
               </a:ext>
             </a:extLst>
           </p:cNvPr>
@@ -2286,7 +2286,7 @@
           <p:cNvPr id="4" name="文本占位符 3">
             <a:extLst>
               <a:ext uri="{FF2B5EF4-FFF2-40B4-BE49-F238E27FC236}">
-                <a16:creationId xmlns:a16="http://schemas.microsoft.com/office/drawing/2014/main" id="{6522B0FB-7F02-D0F7-07BB-67C4C9F5B57A}"/>
+                <a16:creationId xmlns:a16="http://schemas.microsoft.com/office/drawing/2014/main" id="{131FB2F7-8C42-D443-E03C-19D44D48D394}"/>
               </a:ext>
             </a:extLst>
           </p:cNvPr>
@@ -2357,7 +2357,7 @@
           <p:cNvPr id="5" name="日期占位符 4">
             <a:extLst>
               <a:ext uri="{FF2B5EF4-FFF2-40B4-BE49-F238E27FC236}">
-                <a16:creationId xmlns:a16="http://schemas.microsoft.com/office/drawing/2014/main" id="{AC4345D2-F513-A82C-6FD5-337297758B5D}"/>
+                <a16:creationId xmlns:a16="http://schemas.microsoft.com/office/drawing/2014/main" id="{7816F278-04F9-8382-E22E-3A99891DCA8A}"/>
               </a:ext>
             </a:extLst>
           </p:cNvPr>
@@ -2373,7 +2373,7 @@
           <a:bodyPr/>
           <a:lstStyle/>
           <a:p>
-            <a:fld id="{390D4EAE-CDAA-45A5-B903-B14E75BE7086}" type="datetimeFigureOut">
+            <a:fld id="{C05097C1-4A54-4518-9F39-E007E868DA4C}" type="datetimeFigureOut">
               <a:rPr lang="zh-CN" altLang="en-US" smtClean="0"/>
               <a:t>2024/3/10</a:t>
             </a:fld>
@@ -2386,7 +2386,7 @@
           <p:cNvPr id="6" name="页脚占位符 5">
             <a:extLst>
               <a:ext uri="{FF2B5EF4-FFF2-40B4-BE49-F238E27FC236}">
-                <a16:creationId xmlns:a16="http://schemas.microsoft.com/office/drawing/2014/main" id="{7079F474-6E9B-A4B5-D3E0-21D5CD334F6C}"/>
+                <a16:creationId xmlns:a16="http://schemas.microsoft.com/office/drawing/2014/main" id="{4F06B3D6-FD3A-955B-D8E4-ABFAC5AD6501}"/>
               </a:ext>
             </a:extLst>
           </p:cNvPr>
@@ -2411,7 +2411,7 @@
           <p:cNvPr id="7" name="灯片编号占位符 6">
             <a:extLst>
               <a:ext uri="{FF2B5EF4-FFF2-40B4-BE49-F238E27FC236}">
-                <a16:creationId xmlns:a16="http://schemas.microsoft.com/office/drawing/2014/main" id="{C783A193-792E-FA14-9485-82D7387C86FC}"/>
+                <a16:creationId xmlns:a16="http://schemas.microsoft.com/office/drawing/2014/main" id="{6A3DE85D-3FE3-BB3F-0970-AF738B05BCE9}"/>
               </a:ext>
             </a:extLst>
           </p:cNvPr>
@@ -2427,7 +2427,7 @@
           <a:bodyPr/>
           <a:lstStyle/>
           <a:p>
-            <a:fld id="{E9E6695B-4B49-44D1-A35C-B50FF7D6B050}" type="slidenum">
+            <a:fld id="{A2FE913E-86F8-4FFE-A932-3F33126BDB69}" type="slidenum">
               <a:rPr lang="zh-CN" altLang="en-US" smtClean="0"/>
               <a:t>‹#›</a:t>
             </a:fld>
@@ -2438,7 +2438,7 @@
     </p:spTree>
     <p:extLst>
       <p:ext uri="{BB962C8B-B14F-4D97-AF65-F5344CB8AC3E}">
-        <p14:creationId xmlns:p14="http://schemas.microsoft.com/office/powerpoint/2010/main" val="2441722303"/>
+        <p14:creationId xmlns:p14="http://schemas.microsoft.com/office/powerpoint/2010/main" val="2074456383"/>
       </p:ext>
     </p:extLst>
   </p:cSld>
@@ -2470,7 +2470,7 @@
           <p:cNvPr id="2" name="标题 1">
             <a:extLst>
               <a:ext uri="{FF2B5EF4-FFF2-40B4-BE49-F238E27FC236}">
-                <a16:creationId xmlns:a16="http://schemas.microsoft.com/office/drawing/2014/main" id="{4A9CC1F7-0C0B-25C8-AA78-7A0B2E2C4C6E}"/>
+                <a16:creationId xmlns:a16="http://schemas.microsoft.com/office/drawing/2014/main" id="{04CDE5CB-862D-4132-20E4-E75087D058FD}"/>
               </a:ext>
             </a:extLst>
           </p:cNvPr>
@@ -2507,7 +2507,7 @@
           <p:cNvPr id="3" name="图片占位符 2">
             <a:extLst>
               <a:ext uri="{FF2B5EF4-FFF2-40B4-BE49-F238E27FC236}">
-                <a16:creationId xmlns:a16="http://schemas.microsoft.com/office/drawing/2014/main" id="{23D49043-B995-7D83-6318-D062CDA79278}"/>
+                <a16:creationId xmlns:a16="http://schemas.microsoft.com/office/drawing/2014/main" id="{49E01663-F85D-4C60-94CF-1E3C8A95C1BC}"/>
               </a:ext>
             </a:extLst>
           </p:cNvPr>
@@ -2574,7 +2574,7 @@
           <p:cNvPr id="4" name="文本占位符 3">
             <a:extLst>
               <a:ext uri="{FF2B5EF4-FFF2-40B4-BE49-F238E27FC236}">
-                <a16:creationId xmlns:a16="http://schemas.microsoft.com/office/drawing/2014/main" id="{DED759E2-6734-F2A5-C776-6943EB495C1C}"/>
+                <a16:creationId xmlns:a16="http://schemas.microsoft.com/office/drawing/2014/main" id="{97126E77-0240-54B6-9FFC-4BD757227593}"/>
               </a:ext>
             </a:extLst>
           </p:cNvPr>
@@ -2645,7 +2645,7 @@
           <p:cNvPr id="5" name="日期占位符 4">
             <a:extLst>
               <a:ext uri="{FF2B5EF4-FFF2-40B4-BE49-F238E27FC236}">
-                <a16:creationId xmlns:a16="http://schemas.microsoft.com/office/drawing/2014/main" id="{2506F526-C698-8088-C638-D8FA4F8ABECE}"/>
+                <a16:creationId xmlns:a16="http://schemas.microsoft.com/office/drawing/2014/main" id="{B7314CB5-8EB7-0CA6-8FB0-AFDFFDAAB104}"/>
               </a:ext>
             </a:extLst>
           </p:cNvPr>
@@ -2661,7 +2661,7 @@
           <a:bodyPr/>
           <a:lstStyle/>
           <a:p>
-            <a:fld id="{390D4EAE-CDAA-45A5-B903-B14E75BE7086}" type="datetimeFigureOut">
+            <a:fld id="{C05097C1-4A54-4518-9F39-E007E868DA4C}" type="datetimeFigureOut">
               <a:rPr lang="zh-CN" altLang="en-US" smtClean="0"/>
               <a:t>2024/3/10</a:t>
             </a:fld>
@@ -2674,7 +2674,7 @@
           <p:cNvPr id="6" name="页脚占位符 5">
             <a:extLst>
               <a:ext uri="{FF2B5EF4-FFF2-40B4-BE49-F238E27FC236}">
-                <a16:creationId xmlns:a16="http://schemas.microsoft.com/office/drawing/2014/main" id="{A934A484-680E-6EB9-5636-965402F7BE53}"/>
+                <a16:creationId xmlns:a16="http://schemas.microsoft.com/office/drawing/2014/main" id="{97B79CA4-1375-08A5-5FAF-1D5D73F4A9C7}"/>
               </a:ext>
             </a:extLst>
           </p:cNvPr>
@@ -2699,7 +2699,7 @@
           <p:cNvPr id="7" name="灯片编号占位符 6">
             <a:extLst>
               <a:ext uri="{FF2B5EF4-FFF2-40B4-BE49-F238E27FC236}">
-                <a16:creationId xmlns:a16="http://schemas.microsoft.com/office/drawing/2014/main" id="{E2F171FA-E9FF-154C-6211-30C98F3AE8DA}"/>
+                <a16:creationId xmlns:a16="http://schemas.microsoft.com/office/drawing/2014/main" id="{833D00C4-C905-9682-7142-5D7A45CDC824}"/>
               </a:ext>
             </a:extLst>
           </p:cNvPr>
@@ -2715,7 +2715,7 @@
           <a:bodyPr/>
           <a:lstStyle/>
           <a:p>
-            <a:fld id="{E9E6695B-4B49-44D1-A35C-B50FF7D6B050}" type="slidenum">
+            <a:fld id="{A2FE913E-86F8-4FFE-A932-3F33126BDB69}" type="slidenum">
               <a:rPr lang="zh-CN" altLang="en-US" smtClean="0"/>
               <a:t>‹#›</a:t>
             </a:fld>
@@ -2726,7 +2726,7 @@
     </p:spTree>
     <p:extLst>
       <p:ext uri="{BB962C8B-B14F-4D97-AF65-F5344CB8AC3E}">
-        <p14:creationId xmlns:p14="http://schemas.microsoft.com/office/powerpoint/2010/main" val="1034262427"/>
+        <p14:creationId xmlns:p14="http://schemas.microsoft.com/office/powerpoint/2010/main" val="4175977051"/>
       </p:ext>
     </p:extLst>
   </p:cSld>
@@ -2763,7 +2763,7 @@
           <p:cNvPr id="2" name="标题占位符 1">
             <a:extLst>
               <a:ext uri="{FF2B5EF4-FFF2-40B4-BE49-F238E27FC236}">
-                <a16:creationId xmlns:a16="http://schemas.microsoft.com/office/drawing/2014/main" id="{80CE33E2-E251-00F9-F37F-79E62D15007C}"/>
+                <a16:creationId xmlns:a16="http://schemas.microsoft.com/office/drawing/2014/main" id="{7A901F55-7ABF-3302-3498-51ECDFA47293}"/>
               </a:ext>
             </a:extLst>
           </p:cNvPr>
@@ -2801,7 +2801,7 @@
           <p:cNvPr id="3" name="文本占位符 2">
             <a:extLst>
               <a:ext uri="{FF2B5EF4-FFF2-40B4-BE49-F238E27FC236}">
-                <a16:creationId xmlns:a16="http://schemas.microsoft.com/office/drawing/2014/main" id="{1AD21B07-4BCD-82FF-289B-43F5E6DE0C86}"/>
+                <a16:creationId xmlns:a16="http://schemas.microsoft.com/office/drawing/2014/main" id="{2854B730-337C-E885-9176-5EC83CDCBA41}"/>
               </a:ext>
             </a:extLst>
           </p:cNvPr>
@@ -2868,7 +2868,7 @@
           <p:cNvPr id="4" name="日期占位符 3">
             <a:extLst>
               <a:ext uri="{FF2B5EF4-FFF2-40B4-BE49-F238E27FC236}">
-                <a16:creationId xmlns:a16="http://schemas.microsoft.com/office/drawing/2014/main" id="{284CB048-7191-02D8-73E8-05087D98881E}"/>
+                <a16:creationId xmlns:a16="http://schemas.microsoft.com/office/drawing/2014/main" id="{848864DB-2705-D801-C46C-EB8669F81E97}"/>
               </a:ext>
             </a:extLst>
           </p:cNvPr>
@@ -2902,7 +2902,7 @@
             </a:lvl1pPr>
           </a:lstStyle>
           <a:p>
-            <a:fld id="{390D4EAE-CDAA-45A5-B903-B14E75BE7086}" type="datetimeFigureOut">
+            <a:fld id="{C05097C1-4A54-4518-9F39-E007E868DA4C}" type="datetimeFigureOut">
               <a:rPr lang="zh-CN" altLang="en-US" smtClean="0"/>
               <a:t>2024/3/10</a:t>
             </a:fld>
@@ -2915,7 +2915,7 @@
           <p:cNvPr id="5" name="页脚占位符 4">
             <a:extLst>
               <a:ext uri="{FF2B5EF4-FFF2-40B4-BE49-F238E27FC236}">
-                <a16:creationId xmlns:a16="http://schemas.microsoft.com/office/drawing/2014/main" id="{2896D1ED-F2ED-771C-1C21-31F71D20D544}"/>
+                <a16:creationId xmlns:a16="http://schemas.microsoft.com/office/drawing/2014/main" id="{EBDAE869-0105-C9BA-345C-34B1215DD955}"/>
               </a:ext>
             </a:extLst>
           </p:cNvPr>
@@ -2958,7 +2958,7 @@
           <p:cNvPr id="6" name="灯片编号占位符 5">
             <a:extLst>
               <a:ext uri="{FF2B5EF4-FFF2-40B4-BE49-F238E27FC236}">
-                <a16:creationId xmlns:a16="http://schemas.microsoft.com/office/drawing/2014/main" id="{210B4D61-1DC8-1F1A-51B7-3AE85E452B90}"/>
+                <a16:creationId xmlns:a16="http://schemas.microsoft.com/office/drawing/2014/main" id="{0D9D0393-6C2E-2EAB-EE81-4829BBEFE533}"/>
               </a:ext>
             </a:extLst>
           </p:cNvPr>
@@ -2992,7 +2992,7 @@
             </a:lvl1pPr>
           </a:lstStyle>
           <a:p>
-            <a:fld id="{E9E6695B-4B49-44D1-A35C-B50FF7D6B050}" type="slidenum">
+            <a:fld id="{A2FE913E-86F8-4FFE-A932-3F33126BDB69}" type="slidenum">
               <a:rPr lang="zh-CN" altLang="en-US" smtClean="0"/>
               <a:t>‹#›</a:t>
             </a:fld>
@@ -3003,7 +3003,7 @@
     </p:spTree>
     <p:extLst>
       <p:ext uri="{BB962C8B-B14F-4D97-AF65-F5344CB8AC3E}">
-        <p14:creationId xmlns:p14="http://schemas.microsoft.com/office/powerpoint/2010/main" val="3279662889"/>
+        <p14:creationId xmlns:p14="http://schemas.microsoft.com/office/powerpoint/2010/main" val="2737740530"/>
       </p:ext>
     </p:extLst>
   </p:cSld>
